--- a/Lectures/Lecture 06 - Supervised Learning 3.pptx
+++ b/Lectures/Lecture 06 - Supervised Learning 3.pptx
@@ -227,7 +227,7 @@
           <a:p>
             <a:fld id="{9B69B9FF-71BF-6149-A0CB-459184DAAD9F}" type="datetimeFigureOut">
               <a:rPr lang="en-US" smtClean="0"/>
-              <a:t>4/19/17</a:t>
+              <a:t>4/18/18</a:t>
             </a:fld>
             <a:endParaRPr lang="en-US"/>
           </a:p>
@@ -291,38 +291,37 @@
           <a:p>
             <a:pPr lvl="0"/>
             <a:r>
-              <a:rPr lang="en-US" smtClean="0"/>
+              <a:rPr lang="en-US"/>
               <a:t>Click to edit Master text styles</a:t>
             </a:r>
           </a:p>
           <a:p>
             <a:pPr lvl="1"/>
             <a:r>
-              <a:rPr lang="en-US" smtClean="0"/>
+              <a:rPr lang="en-US"/>
               <a:t>Second level</a:t>
             </a:r>
           </a:p>
           <a:p>
             <a:pPr lvl="2"/>
             <a:r>
-              <a:rPr lang="en-US" smtClean="0"/>
+              <a:rPr lang="en-US"/>
               <a:t>Third level</a:t>
             </a:r>
           </a:p>
           <a:p>
             <a:pPr lvl="3"/>
             <a:r>
-              <a:rPr lang="en-US" smtClean="0"/>
+              <a:rPr lang="en-US"/>
               <a:t>Fourth level</a:t>
             </a:r>
           </a:p>
           <a:p>
             <a:pPr lvl="4"/>
             <a:r>
-              <a:rPr lang="en-US" smtClean="0"/>
+              <a:rPr lang="en-US"/>
               <a:t>Fifth level</a:t>
             </a:r>
-            <a:endParaRPr lang="en-US"/>
           </a:p>
         </p:txBody>
       </p:sp>
@@ -552,7 +551,7 @@
           <a:ln/>
           <a:extLst>
             <a:ext uri="{FAA26D3D-D897-4be2-8F04-BA451C77F1D7}">
-              <ma14:placeholderFlag xmlns:ma14="http://schemas.microsoft.com/office/mac/drawingml/2011/main" val="1"/>
+              <ma14:placeholderFlag xmlns:ma14="http://schemas.microsoft.com/office/mac/drawingml/2011/main" xmlns="" val="1"/>
             </a:ext>
           </a:extLst>
         </p:spPr>
@@ -646,7 +645,7 @@
           <a:ln/>
           <a:extLst>
             <a:ext uri="{FAA26D3D-D897-4be2-8F04-BA451C77F1D7}">
-              <ma14:placeholderFlag xmlns:ma14="http://schemas.microsoft.com/office/mac/drawingml/2011/main" val="1"/>
+              <ma14:placeholderFlag xmlns:ma14="http://schemas.microsoft.com/office/mac/drawingml/2011/main" xmlns="" val="1"/>
             </a:ext>
           </a:extLst>
         </p:spPr>
@@ -740,7 +739,7 @@
           <a:ln/>
           <a:extLst>
             <a:ext uri="{FAA26D3D-D897-4be2-8F04-BA451C77F1D7}">
-              <ma14:placeholderFlag xmlns:ma14="http://schemas.microsoft.com/office/mac/drawingml/2011/main" val="1"/>
+              <ma14:placeholderFlag xmlns:ma14="http://schemas.microsoft.com/office/mac/drawingml/2011/main" xmlns="" val="1"/>
             </a:ext>
           </a:extLst>
         </p:spPr>
@@ -834,7 +833,7 @@
           <a:ln/>
           <a:extLst>
             <a:ext uri="{FAA26D3D-D897-4be2-8F04-BA451C77F1D7}">
-              <ma14:placeholderFlag xmlns:ma14="http://schemas.microsoft.com/office/mac/drawingml/2011/main" val="1"/>
+              <ma14:placeholderFlag xmlns:ma14="http://schemas.microsoft.com/office/mac/drawingml/2011/main" xmlns="" val="1"/>
             </a:ext>
           </a:extLst>
         </p:spPr>
@@ -909,10 +908,9 @@
           <a:lstStyle/>
           <a:p>
             <a:r>
-              <a:rPr lang="en-US" smtClean="0"/>
+              <a:rPr lang="en-US"/>
               <a:t>Click to edit Master title style</a:t>
             </a:r>
-            <a:endParaRPr lang="en-US"/>
           </a:p>
         </p:txBody>
       </p:sp>
@@ -1029,7 +1027,7 @@
           </a:lstStyle>
           <a:p>
             <a:r>
-              <a:rPr lang="en-US" smtClean="0"/>
+              <a:rPr lang="en-US"/>
               <a:t>Click to edit Master subtitle style</a:t>
             </a:r>
             <a:endParaRPr lang="en-US" dirty="0"/>
@@ -1076,7 +1074,7 @@
           <a:lstStyle/>
           <a:p>
             <a:pPr algn="l"/>
-            <a:endParaRPr lang="en-US" sz="1400" dirty="0" smtClean="0">
+            <a:endParaRPr lang="en-US" sz="1400" dirty="0">
               <a:latin typeface="Arial"/>
               <a:cs typeface="Arial"/>
             </a:endParaRPr>
@@ -1084,42 +1082,42 @@
           <a:p>
             <a:pPr algn="l"/>
             <a:r>
-              <a:rPr lang="en-US" sz="1400" dirty="0" err="1" smtClean="0">
+              <a:rPr lang="en-US" sz="1400" dirty="0" err="1">
                 <a:latin typeface="Arial"/>
                 <a:cs typeface="Arial"/>
               </a:rPr>
               <a:t>Rayid</a:t>
             </a:r>
             <a:r>
-              <a:rPr lang="en-US" sz="1400" baseline="0" dirty="0" smtClean="0">
+              <a:rPr lang="en-US" sz="1400" baseline="0" dirty="0">
                 <a:latin typeface="Arial"/>
                 <a:cs typeface="Arial"/>
               </a:rPr>
               <a:t> </a:t>
             </a:r>
             <a:r>
-              <a:rPr lang="en-US" sz="1400" baseline="0" dirty="0" err="1" smtClean="0">
+              <a:rPr lang="en-US" sz="1400" baseline="0" dirty="0" err="1">
                 <a:latin typeface="Arial"/>
                 <a:cs typeface="Arial"/>
               </a:rPr>
               <a:t>Ghani</a:t>
             </a:r>
             <a:r>
-              <a:rPr lang="en-US" sz="1400" baseline="0" dirty="0" smtClean="0">
+              <a:rPr lang="en-US" sz="1400" baseline="0" dirty="0">
                 <a:latin typeface="Arial"/>
                 <a:cs typeface="Arial"/>
               </a:rPr>
               <a:t>															@</a:t>
             </a:r>
             <a:r>
-              <a:rPr lang="en-US" sz="1400" baseline="0" dirty="0" err="1" smtClean="0">
+              <a:rPr lang="en-US" sz="1400" baseline="0" dirty="0" err="1">
                 <a:latin typeface="Arial"/>
                 <a:cs typeface="Arial"/>
               </a:rPr>
               <a:t>rayidghani</a:t>
             </a:r>
             <a:r>
-              <a:rPr lang="en-US" sz="1400" baseline="0" dirty="0" smtClean="0">
+              <a:rPr lang="en-US" sz="1400" baseline="0" dirty="0">
                 <a:latin typeface="Arial"/>
                 <a:cs typeface="Arial"/>
               </a:rPr>
@@ -1208,10 +1206,9 @@
           <a:lstStyle/>
           <a:p>
             <a:r>
-              <a:rPr lang="en-US" smtClean="0"/>
+              <a:rPr lang="en-US"/>
               <a:t>Click to edit Master title style</a:t>
             </a:r>
-            <a:endParaRPr lang="en-US"/>
           </a:p>
         </p:txBody>
       </p:sp>
@@ -1232,38 +1229,37 @@
           <a:p>
             <a:pPr lvl="0"/>
             <a:r>
-              <a:rPr lang="en-US" smtClean="0"/>
+              <a:rPr lang="en-US"/>
               <a:t>Click to edit Master text styles</a:t>
             </a:r>
           </a:p>
           <a:p>
             <a:pPr lvl="1"/>
             <a:r>
-              <a:rPr lang="en-US" smtClean="0"/>
+              <a:rPr lang="en-US"/>
               <a:t>Second level</a:t>
             </a:r>
           </a:p>
           <a:p>
             <a:pPr lvl="2"/>
             <a:r>
-              <a:rPr lang="en-US" smtClean="0"/>
+              <a:rPr lang="en-US"/>
               <a:t>Third level</a:t>
             </a:r>
           </a:p>
           <a:p>
             <a:pPr lvl="3"/>
             <a:r>
-              <a:rPr lang="en-US" smtClean="0"/>
+              <a:rPr lang="en-US"/>
               <a:t>Fourth level</a:t>
             </a:r>
           </a:p>
           <a:p>
             <a:pPr lvl="4"/>
             <a:r>
-              <a:rPr lang="en-US" smtClean="0"/>
+              <a:rPr lang="en-US"/>
               <a:t>Fifth level</a:t>
             </a:r>
-            <a:endParaRPr lang="en-US"/>
           </a:p>
         </p:txBody>
       </p:sp>
@@ -1284,7 +1280,7 @@
           <a:p>
             <a:fld id="{7C0312F8-2DE2-6B40-83C5-731724CAE2B0}" type="datetimeFigureOut">
               <a:rPr lang="en-US" smtClean="0"/>
-              <a:t>4/19/17</a:t>
+              <a:t>4/18/18</a:t>
             </a:fld>
             <a:endParaRPr lang="en-US"/>
           </a:p>
@@ -1383,10 +1379,9 @@
           <a:lstStyle/>
           <a:p>
             <a:r>
-              <a:rPr lang="en-US" smtClean="0"/>
+              <a:rPr lang="en-US"/>
               <a:t>Click to edit Master title style</a:t>
             </a:r>
-            <a:endParaRPr lang="en-US"/>
           </a:p>
         </p:txBody>
       </p:sp>
@@ -1412,38 +1407,37 @@
           <a:p>
             <a:pPr lvl="0"/>
             <a:r>
-              <a:rPr lang="en-US" smtClean="0"/>
+              <a:rPr lang="en-US"/>
               <a:t>Click to edit Master text styles</a:t>
             </a:r>
           </a:p>
           <a:p>
             <a:pPr lvl="1"/>
             <a:r>
-              <a:rPr lang="en-US" smtClean="0"/>
+              <a:rPr lang="en-US"/>
               <a:t>Second level</a:t>
             </a:r>
           </a:p>
           <a:p>
             <a:pPr lvl="2"/>
             <a:r>
-              <a:rPr lang="en-US" smtClean="0"/>
+              <a:rPr lang="en-US"/>
               <a:t>Third level</a:t>
             </a:r>
           </a:p>
           <a:p>
             <a:pPr lvl="3"/>
             <a:r>
-              <a:rPr lang="en-US" smtClean="0"/>
+              <a:rPr lang="en-US"/>
               <a:t>Fourth level</a:t>
             </a:r>
           </a:p>
           <a:p>
             <a:pPr lvl="4"/>
             <a:r>
-              <a:rPr lang="en-US" smtClean="0"/>
+              <a:rPr lang="en-US"/>
               <a:t>Fifth level</a:t>
             </a:r>
-            <a:endParaRPr lang="en-US"/>
           </a:p>
         </p:txBody>
       </p:sp>
@@ -1464,7 +1458,7 @@
           <a:p>
             <a:fld id="{7C0312F8-2DE2-6B40-83C5-731724CAE2B0}" type="datetimeFigureOut">
               <a:rPr lang="en-US" smtClean="0"/>
-              <a:t>4/19/17</a:t>
+              <a:t>4/18/18</a:t>
             </a:fld>
             <a:endParaRPr lang="en-US"/>
           </a:p>
@@ -1564,35 +1558,35 @@
           <a:p>
             <a:pPr lvl="0"/>
             <a:r>
-              <a:rPr lang="en-US" smtClean="0"/>
+              <a:rPr lang="en-US"/>
               <a:t>Click to edit Master text styles</a:t>
             </a:r>
           </a:p>
           <a:p>
             <a:pPr lvl="1"/>
             <a:r>
-              <a:rPr lang="en-US" smtClean="0"/>
+              <a:rPr lang="en-US"/>
               <a:t>Second level</a:t>
             </a:r>
           </a:p>
           <a:p>
             <a:pPr lvl="2"/>
             <a:r>
-              <a:rPr lang="en-US" smtClean="0"/>
+              <a:rPr lang="en-US"/>
               <a:t>Third level</a:t>
             </a:r>
           </a:p>
           <a:p>
             <a:pPr lvl="3"/>
             <a:r>
-              <a:rPr lang="en-US" smtClean="0"/>
+              <a:rPr lang="en-US"/>
               <a:t>Fourth level</a:t>
             </a:r>
           </a:p>
           <a:p>
             <a:pPr lvl="4"/>
             <a:r>
-              <a:rPr lang="en-US" smtClean="0"/>
+              <a:rPr lang="en-US"/>
               <a:t>Fifth level</a:t>
             </a:r>
             <a:endParaRPr lang="en-US" dirty="0"/>
@@ -1639,7 +1633,7 @@
           <a:lstStyle/>
           <a:p>
             <a:pPr algn="l"/>
-            <a:endParaRPr lang="en-US" sz="1400" dirty="0" smtClean="0">
+            <a:endParaRPr lang="en-US" sz="1400" dirty="0">
               <a:latin typeface="Arial"/>
               <a:cs typeface="Arial"/>
             </a:endParaRPr>
@@ -1647,42 +1641,42 @@
           <a:p>
             <a:pPr algn="l"/>
             <a:r>
-              <a:rPr lang="en-US" sz="1400" dirty="0" err="1" smtClean="0">
+              <a:rPr lang="en-US" sz="1400" dirty="0" err="1">
                 <a:latin typeface="Arial"/>
                 <a:cs typeface="Arial"/>
               </a:rPr>
               <a:t>Rayid</a:t>
             </a:r>
             <a:r>
-              <a:rPr lang="en-US" sz="1400" baseline="0" dirty="0" smtClean="0">
+              <a:rPr lang="en-US" sz="1400" baseline="0" dirty="0">
                 <a:latin typeface="Arial"/>
                 <a:cs typeface="Arial"/>
               </a:rPr>
               <a:t> </a:t>
             </a:r>
             <a:r>
-              <a:rPr lang="en-US" sz="1400" baseline="0" dirty="0" err="1" smtClean="0">
+              <a:rPr lang="en-US" sz="1400" baseline="0" dirty="0" err="1">
                 <a:latin typeface="Arial"/>
                 <a:cs typeface="Arial"/>
               </a:rPr>
               <a:t>Ghani</a:t>
             </a:r>
             <a:r>
-              <a:rPr lang="en-US" sz="1400" baseline="0" dirty="0" smtClean="0">
+              <a:rPr lang="en-US" sz="1400" baseline="0" dirty="0">
                 <a:latin typeface="Arial"/>
                 <a:cs typeface="Arial"/>
               </a:rPr>
               <a:t>															@</a:t>
             </a:r>
             <a:r>
-              <a:rPr lang="en-US" sz="1400" baseline="0" dirty="0" err="1" smtClean="0">
+              <a:rPr lang="en-US" sz="1400" baseline="0" dirty="0" err="1">
                 <a:latin typeface="Arial"/>
                 <a:cs typeface="Arial"/>
               </a:rPr>
               <a:t>rayidghani</a:t>
             </a:r>
             <a:r>
-              <a:rPr lang="en-US" sz="1400" baseline="0" dirty="0" smtClean="0">
+              <a:rPr lang="en-US" sz="1400" baseline="0" dirty="0">
                 <a:latin typeface="Arial"/>
                 <a:cs typeface="Arial"/>
               </a:rPr>
@@ -1735,7 +1729,7 @@
           <a:lstStyle/>
           <a:p>
             <a:pPr algn="l"/>
-            <a:endParaRPr lang="en-US" sz="1400" dirty="0" smtClean="0">
+            <a:endParaRPr lang="en-US" sz="1400" dirty="0">
               <a:latin typeface="Arial"/>
               <a:cs typeface="Arial"/>
             </a:endParaRPr>
@@ -1773,7 +1767,7 @@
           </a:lstStyle>
           <a:p>
             <a:r>
-              <a:rPr lang="en-US" smtClean="0"/>
+              <a:rPr lang="en-US"/>
               <a:t>Click to edit Master title style</a:t>
             </a:r>
             <a:endParaRPr lang="en-US" dirty="0"/>
@@ -1835,10 +1829,9 @@
           </a:lstStyle>
           <a:p>
             <a:r>
-              <a:rPr lang="en-US" smtClean="0"/>
+              <a:rPr lang="en-US"/>
               <a:t>Click to edit Master title style</a:t>
             </a:r>
-            <a:endParaRPr lang="en-US"/>
           </a:p>
         </p:txBody>
       </p:sp>
@@ -1955,7 +1948,7 @@
           <a:p>
             <a:pPr lvl="0"/>
             <a:r>
-              <a:rPr lang="en-US" smtClean="0"/>
+              <a:rPr lang="en-US"/>
               <a:t>Click to edit Master text styles</a:t>
             </a:r>
           </a:p>
@@ -1978,7 +1971,7 @@
           <a:p>
             <a:fld id="{7C0312F8-2DE2-6B40-83C5-731724CAE2B0}" type="datetimeFigureOut">
               <a:rPr lang="en-US" smtClean="0"/>
-              <a:t>4/19/17</a:t>
+              <a:t>4/18/18</a:t>
             </a:fld>
             <a:endParaRPr lang="en-US"/>
           </a:p>
@@ -2072,10 +2065,9 @@
           <a:lstStyle/>
           <a:p>
             <a:r>
-              <a:rPr lang="en-US" smtClean="0"/>
+              <a:rPr lang="en-US"/>
               <a:t>Click to edit Master title style</a:t>
             </a:r>
-            <a:endParaRPr lang="en-US"/>
           </a:p>
         </p:txBody>
       </p:sp>
@@ -2129,38 +2121,37 @@
           <a:p>
             <a:pPr lvl="0"/>
             <a:r>
-              <a:rPr lang="en-US" smtClean="0"/>
+              <a:rPr lang="en-US"/>
               <a:t>Click to edit Master text styles</a:t>
             </a:r>
           </a:p>
           <a:p>
             <a:pPr lvl="1"/>
             <a:r>
-              <a:rPr lang="en-US" smtClean="0"/>
+              <a:rPr lang="en-US"/>
               <a:t>Second level</a:t>
             </a:r>
           </a:p>
           <a:p>
             <a:pPr lvl="2"/>
             <a:r>
-              <a:rPr lang="en-US" smtClean="0"/>
+              <a:rPr lang="en-US"/>
               <a:t>Third level</a:t>
             </a:r>
           </a:p>
           <a:p>
             <a:pPr lvl="3"/>
             <a:r>
-              <a:rPr lang="en-US" smtClean="0"/>
+              <a:rPr lang="en-US"/>
               <a:t>Fourth level</a:t>
             </a:r>
           </a:p>
           <a:p>
             <a:pPr lvl="4"/>
             <a:r>
-              <a:rPr lang="en-US" smtClean="0"/>
+              <a:rPr lang="en-US"/>
               <a:t>Fifth level</a:t>
             </a:r>
-            <a:endParaRPr lang="en-US"/>
           </a:p>
         </p:txBody>
       </p:sp>
@@ -2214,38 +2205,37 @@
           <a:p>
             <a:pPr lvl="0"/>
             <a:r>
-              <a:rPr lang="en-US" smtClean="0"/>
+              <a:rPr lang="en-US"/>
               <a:t>Click to edit Master text styles</a:t>
             </a:r>
           </a:p>
           <a:p>
             <a:pPr lvl="1"/>
             <a:r>
-              <a:rPr lang="en-US" smtClean="0"/>
+              <a:rPr lang="en-US"/>
               <a:t>Second level</a:t>
             </a:r>
           </a:p>
           <a:p>
             <a:pPr lvl="2"/>
             <a:r>
-              <a:rPr lang="en-US" smtClean="0"/>
+              <a:rPr lang="en-US"/>
               <a:t>Third level</a:t>
             </a:r>
           </a:p>
           <a:p>
             <a:pPr lvl="3"/>
             <a:r>
-              <a:rPr lang="en-US" smtClean="0"/>
+              <a:rPr lang="en-US"/>
               <a:t>Fourth level</a:t>
             </a:r>
           </a:p>
           <a:p>
             <a:pPr lvl="4"/>
             <a:r>
-              <a:rPr lang="en-US" smtClean="0"/>
+              <a:rPr lang="en-US"/>
               <a:t>Fifth level</a:t>
             </a:r>
-            <a:endParaRPr lang="en-US"/>
           </a:p>
         </p:txBody>
       </p:sp>
@@ -2266,7 +2256,7 @@
           <a:p>
             <a:fld id="{7C0312F8-2DE2-6B40-83C5-731724CAE2B0}" type="datetimeFigureOut">
               <a:rPr lang="en-US" smtClean="0"/>
-              <a:t>4/19/17</a:t>
+              <a:t>4/18/18</a:t>
             </a:fld>
             <a:endParaRPr lang="en-US"/>
           </a:p>
@@ -2364,10 +2354,9 @@
           </a:lstStyle>
           <a:p>
             <a:r>
-              <a:rPr lang="en-US" smtClean="0"/>
+              <a:rPr lang="en-US"/>
               <a:t>Click to edit Master title style</a:t>
             </a:r>
-            <a:endParaRPr lang="en-US"/>
           </a:p>
         </p:txBody>
       </p:sp>
@@ -2430,7 +2419,7 @@
           <a:p>
             <a:pPr lvl="0"/>
             <a:r>
-              <a:rPr lang="en-US" smtClean="0"/>
+              <a:rPr lang="en-US"/>
               <a:t>Click to edit Master text styles</a:t>
             </a:r>
           </a:p>
@@ -2486,38 +2475,37 @@
           <a:p>
             <a:pPr lvl="0"/>
             <a:r>
-              <a:rPr lang="en-US" smtClean="0"/>
+              <a:rPr lang="en-US"/>
               <a:t>Click to edit Master text styles</a:t>
             </a:r>
           </a:p>
           <a:p>
             <a:pPr lvl="1"/>
             <a:r>
-              <a:rPr lang="en-US" smtClean="0"/>
+              <a:rPr lang="en-US"/>
               <a:t>Second level</a:t>
             </a:r>
           </a:p>
           <a:p>
             <a:pPr lvl="2"/>
             <a:r>
-              <a:rPr lang="en-US" smtClean="0"/>
+              <a:rPr lang="en-US"/>
               <a:t>Third level</a:t>
             </a:r>
           </a:p>
           <a:p>
             <a:pPr lvl="3"/>
             <a:r>
-              <a:rPr lang="en-US" smtClean="0"/>
+              <a:rPr lang="en-US"/>
               <a:t>Fourth level</a:t>
             </a:r>
           </a:p>
           <a:p>
             <a:pPr lvl="4"/>
             <a:r>
-              <a:rPr lang="en-US" smtClean="0"/>
+              <a:rPr lang="en-US"/>
               <a:t>Fifth level</a:t>
             </a:r>
-            <a:endParaRPr lang="en-US"/>
           </a:p>
         </p:txBody>
       </p:sp>
@@ -2580,7 +2568,7 @@
           <a:p>
             <a:pPr lvl="0"/>
             <a:r>
-              <a:rPr lang="en-US" smtClean="0"/>
+              <a:rPr lang="en-US"/>
               <a:t>Click to edit Master text styles</a:t>
             </a:r>
           </a:p>
@@ -2636,38 +2624,37 @@
           <a:p>
             <a:pPr lvl="0"/>
             <a:r>
-              <a:rPr lang="en-US" smtClean="0"/>
+              <a:rPr lang="en-US"/>
               <a:t>Click to edit Master text styles</a:t>
             </a:r>
           </a:p>
           <a:p>
             <a:pPr lvl="1"/>
             <a:r>
-              <a:rPr lang="en-US" smtClean="0"/>
+              <a:rPr lang="en-US"/>
               <a:t>Second level</a:t>
             </a:r>
           </a:p>
           <a:p>
             <a:pPr lvl="2"/>
             <a:r>
-              <a:rPr lang="en-US" smtClean="0"/>
+              <a:rPr lang="en-US"/>
               <a:t>Third level</a:t>
             </a:r>
           </a:p>
           <a:p>
             <a:pPr lvl="3"/>
             <a:r>
-              <a:rPr lang="en-US" smtClean="0"/>
+              <a:rPr lang="en-US"/>
               <a:t>Fourth level</a:t>
             </a:r>
           </a:p>
           <a:p>
             <a:pPr lvl="4"/>
             <a:r>
-              <a:rPr lang="en-US" smtClean="0"/>
+              <a:rPr lang="en-US"/>
               <a:t>Fifth level</a:t>
             </a:r>
-            <a:endParaRPr lang="en-US"/>
           </a:p>
         </p:txBody>
       </p:sp>
@@ -2688,7 +2675,7 @@
           <a:p>
             <a:fld id="{7C0312F8-2DE2-6B40-83C5-731724CAE2B0}" type="datetimeFigureOut">
               <a:rPr lang="en-US" smtClean="0"/>
-              <a:t>4/19/17</a:t>
+              <a:t>4/18/18</a:t>
             </a:fld>
             <a:endParaRPr lang="en-US"/>
           </a:p>
@@ -2782,10 +2769,9 @@
           <a:lstStyle/>
           <a:p>
             <a:r>
-              <a:rPr lang="en-US" smtClean="0"/>
+              <a:rPr lang="en-US"/>
               <a:t>Click to edit Master title style</a:t>
             </a:r>
-            <a:endParaRPr lang="en-US"/>
           </a:p>
         </p:txBody>
       </p:sp>
@@ -2829,7 +2815,7 @@
           <a:lstStyle/>
           <a:p>
             <a:pPr algn="l"/>
-            <a:endParaRPr lang="en-US" sz="1400" dirty="0" smtClean="0">
+            <a:endParaRPr lang="en-US" sz="1400" dirty="0">
               <a:latin typeface="Arial"/>
               <a:cs typeface="Arial"/>
             </a:endParaRPr>
@@ -2837,42 +2823,42 @@
           <a:p>
             <a:pPr algn="l"/>
             <a:r>
-              <a:rPr lang="en-US" sz="1400" dirty="0" err="1" smtClean="0">
+              <a:rPr lang="en-US" sz="1400" dirty="0" err="1">
                 <a:latin typeface="Arial"/>
                 <a:cs typeface="Arial"/>
               </a:rPr>
               <a:t>Rayid</a:t>
             </a:r>
             <a:r>
-              <a:rPr lang="en-US" sz="1400" baseline="0" dirty="0" smtClean="0">
+              <a:rPr lang="en-US" sz="1400" baseline="0" dirty="0">
                 <a:latin typeface="Arial"/>
                 <a:cs typeface="Arial"/>
               </a:rPr>
               <a:t> </a:t>
             </a:r>
             <a:r>
-              <a:rPr lang="en-US" sz="1400" baseline="0" dirty="0" err="1" smtClean="0">
+              <a:rPr lang="en-US" sz="1400" baseline="0" dirty="0" err="1">
                 <a:latin typeface="Arial"/>
                 <a:cs typeface="Arial"/>
               </a:rPr>
               <a:t>Ghani</a:t>
             </a:r>
             <a:r>
-              <a:rPr lang="en-US" sz="1400" baseline="0" dirty="0" smtClean="0">
+              <a:rPr lang="en-US" sz="1400" baseline="0" dirty="0">
                 <a:latin typeface="Arial"/>
                 <a:cs typeface="Arial"/>
               </a:rPr>
               <a:t>															@</a:t>
             </a:r>
             <a:r>
-              <a:rPr lang="en-US" sz="1400" baseline="0" dirty="0" err="1" smtClean="0">
+              <a:rPr lang="en-US" sz="1400" baseline="0" dirty="0" err="1">
                 <a:latin typeface="Arial"/>
                 <a:cs typeface="Arial"/>
               </a:rPr>
               <a:t>rayidghani</a:t>
             </a:r>
             <a:r>
-              <a:rPr lang="en-US" sz="1400" baseline="0" dirty="0" smtClean="0">
+              <a:rPr lang="en-US" sz="1400" baseline="0" dirty="0">
                 <a:latin typeface="Arial"/>
                 <a:cs typeface="Arial"/>
               </a:rPr>
@@ -2932,7 +2918,7 @@
           <a:p>
             <a:fld id="{7C0312F8-2DE2-6B40-83C5-731724CAE2B0}" type="datetimeFigureOut">
               <a:rPr lang="en-US" smtClean="0"/>
-              <a:t>4/19/17</a:t>
+              <a:t>4/18/18</a:t>
             </a:fld>
             <a:endParaRPr lang="en-US"/>
           </a:p>
@@ -3035,10 +3021,9 @@
           </a:lstStyle>
           <a:p>
             <a:r>
-              <a:rPr lang="en-US" smtClean="0"/>
+              <a:rPr lang="en-US"/>
               <a:t>Click to edit Master title style</a:t>
             </a:r>
-            <a:endParaRPr lang="en-US"/>
           </a:p>
         </p:txBody>
       </p:sp>
@@ -3092,38 +3077,37 @@
           <a:p>
             <a:pPr lvl="0"/>
             <a:r>
-              <a:rPr lang="en-US" smtClean="0"/>
+              <a:rPr lang="en-US"/>
               <a:t>Click to edit Master text styles</a:t>
             </a:r>
           </a:p>
           <a:p>
             <a:pPr lvl="1"/>
             <a:r>
-              <a:rPr lang="en-US" smtClean="0"/>
+              <a:rPr lang="en-US"/>
               <a:t>Second level</a:t>
             </a:r>
           </a:p>
           <a:p>
             <a:pPr lvl="2"/>
             <a:r>
-              <a:rPr lang="en-US" smtClean="0"/>
+              <a:rPr lang="en-US"/>
               <a:t>Third level</a:t>
             </a:r>
           </a:p>
           <a:p>
             <a:pPr lvl="3"/>
             <a:r>
-              <a:rPr lang="en-US" smtClean="0"/>
+              <a:rPr lang="en-US"/>
               <a:t>Fourth level</a:t>
             </a:r>
           </a:p>
           <a:p>
             <a:pPr lvl="4"/>
             <a:r>
-              <a:rPr lang="en-US" smtClean="0"/>
+              <a:rPr lang="en-US"/>
               <a:t>Fifth level</a:t>
             </a:r>
-            <a:endParaRPr lang="en-US"/>
           </a:p>
         </p:txBody>
       </p:sp>
@@ -3186,7 +3170,7 @@
           <a:p>
             <a:pPr lvl="0"/>
             <a:r>
-              <a:rPr lang="en-US" smtClean="0"/>
+              <a:rPr lang="en-US"/>
               <a:t>Click to edit Master text styles</a:t>
             </a:r>
           </a:p>
@@ -3209,7 +3193,7 @@
           <a:p>
             <a:fld id="{7C0312F8-2DE2-6B40-83C5-731724CAE2B0}" type="datetimeFigureOut">
               <a:rPr lang="en-US" smtClean="0"/>
-              <a:t>4/19/17</a:t>
+              <a:t>4/18/18</a:t>
             </a:fld>
             <a:endParaRPr lang="en-US"/>
           </a:p>
@@ -3312,10 +3296,9 @@
           </a:lstStyle>
           <a:p>
             <a:r>
-              <a:rPr lang="en-US" smtClean="0"/>
+              <a:rPr lang="en-US"/>
               <a:t>Click to edit Master title style</a:t>
             </a:r>
-            <a:endParaRPr lang="en-US"/>
           </a:p>
         </p:txBody>
       </p:sp>
@@ -3377,10 +3360,9 @@
           </a:lstStyle>
           <a:p>
             <a:r>
-              <a:rPr lang="en-US" smtClean="0"/>
+              <a:rPr lang="en-US"/>
               <a:t>Drag picture to placeholder or click icon to add</a:t>
             </a:r>
-            <a:endParaRPr lang="en-US"/>
           </a:p>
         </p:txBody>
       </p:sp>
@@ -3443,7 +3425,7 @@
           <a:p>
             <a:pPr lvl="0"/>
             <a:r>
-              <a:rPr lang="en-US" smtClean="0"/>
+              <a:rPr lang="en-US"/>
               <a:t>Click to edit Master text styles</a:t>
             </a:r>
           </a:p>
@@ -3466,7 +3448,7 @@
           <a:p>
             <a:fld id="{7C0312F8-2DE2-6B40-83C5-731724CAE2B0}" type="datetimeFigureOut">
               <a:rPr lang="en-US" smtClean="0"/>
-              <a:t>4/19/17</a:t>
+              <a:t>4/18/18</a:t>
             </a:fld>
             <a:endParaRPr lang="en-US"/>
           </a:p>
@@ -3575,10 +3557,9 @@
           <a:lstStyle/>
           <a:p>
             <a:r>
-              <a:rPr lang="en-US" smtClean="0"/>
+              <a:rPr lang="en-US"/>
               <a:t>Click to edit Master title style</a:t>
             </a:r>
-            <a:endParaRPr lang="en-US"/>
           </a:p>
         </p:txBody>
       </p:sp>
@@ -3609,38 +3590,37 @@
           <a:p>
             <a:pPr lvl="0"/>
             <a:r>
-              <a:rPr lang="en-US" smtClean="0"/>
+              <a:rPr lang="en-US"/>
               <a:t>Click to edit Master text styles</a:t>
             </a:r>
           </a:p>
           <a:p>
             <a:pPr lvl="1"/>
             <a:r>
-              <a:rPr lang="en-US" smtClean="0"/>
+              <a:rPr lang="en-US"/>
               <a:t>Second level</a:t>
             </a:r>
           </a:p>
           <a:p>
             <a:pPr lvl="2"/>
             <a:r>
-              <a:rPr lang="en-US" smtClean="0"/>
+              <a:rPr lang="en-US"/>
               <a:t>Third level</a:t>
             </a:r>
           </a:p>
           <a:p>
             <a:pPr lvl="3"/>
             <a:r>
-              <a:rPr lang="en-US" smtClean="0"/>
+              <a:rPr lang="en-US"/>
               <a:t>Fourth level</a:t>
             </a:r>
           </a:p>
           <a:p>
             <a:pPr lvl="4"/>
             <a:r>
-              <a:rPr lang="en-US" smtClean="0"/>
+              <a:rPr lang="en-US"/>
               <a:t>Fifth level</a:t>
             </a:r>
-            <a:endParaRPr lang="en-US"/>
           </a:p>
         </p:txBody>
       </p:sp>
@@ -3679,7 +3659,7 @@
           <a:p>
             <a:fld id="{7C0312F8-2DE2-6B40-83C5-731724CAE2B0}" type="datetimeFigureOut">
               <a:rPr lang="en-US" smtClean="0"/>
-              <a:t>4/19/17</a:t>
+              <a:t>4/18/18</a:t>
             </a:fld>
             <a:endParaRPr lang="en-US"/>
           </a:p>
@@ -4075,10 +4055,9 @@
           <a:lstStyle/>
           <a:p>
             <a:r>
-              <a:rPr lang="en-US" dirty="0" smtClean="0"/>
+              <a:rPr lang="en-US" dirty="0"/>
               <a:t>Supervised Learning: Overview 3</a:t>
             </a:r>
-            <a:endParaRPr lang="en-US" dirty="0"/>
           </a:p>
         </p:txBody>
       </p:sp>
@@ -4105,18 +4084,18 @@
           <a:lstStyle/>
           <a:p>
             <a:r>
-              <a:rPr lang="en-US" sz="3600" dirty="0" err="1" smtClean="0"/>
+              <a:rPr lang="en-US" sz="3600" dirty="0" err="1"/>
               <a:t>Rayid</a:t>
             </a:r>
             <a:r>
-              <a:rPr lang="en-US" sz="3600" dirty="0" smtClean="0"/>
+              <a:rPr lang="en-US" sz="3600" dirty="0"/>
               <a:t> </a:t>
             </a:r>
             <a:r>
-              <a:rPr lang="en-US" sz="3600" dirty="0" err="1" smtClean="0"/>
+              <a:rPr lang="en-US" sz="3600" dirty="0" err="1"/>
               <a:t>Ghani</a:t>
             </a:r>
-            <a:endParaRPr lang="en-US" sz="3600" dirty="0" smtClean="0"/>
+            <a:endParaRPr lang="en-US" sz="3600" dirty="0"/>
           </a:p>
           <a:p>
             <a:endParaRPr lang="en-US" sz="3600" dirty="0"/>
@@ -4305,12 +4284,12 @@
           </a:lstStyle>
           <a:p>
             <a:r>
-              <a:rPr lang="en-US" sz="2000" dirty="0" smtClean="0"/>
+              <a:rPr lang="en-US" sz="2000" dirty="0"/>
               <a:t>Slides liberally borrowed and customized from lots of excellent online sources</a:t>
             </a:r>
           </a:p>
           <a:p>
-            <a:endParaRPr lang="en-US" sz="3600" dirty="0" smtClean="0"/>
+            <a:endParaRPr lang="en-US" sz="3600" dirty="0"/>
           </a:p>
           <a:p>
             <a:endParaRPr lang="en-US" sz="3600" dirty="0"/>
@@ -4327,13 +4306,6 @@
   <p:clrMapOvr>
     <a:masterClrMapping/>
   </p:clrMapOvr>
-  <p:timing>
-    <p:tnLst>
-      <p:par>
-        <p:cTn id="1" dur="indefinite" restart="never" nodeType="tmRoot"/>
-      </p:par>
-    </p:tnLst>
-  </p:timing>
 </p:sld>
 </file>
 
@@ -4370,10 +4342,9 @@
           <a:lstStyle/>
           <a:p>
             <a:r>
-              <a:rPr lang="en-US" dirty="0" smtClean="0"/>
+              <a:rPr lang="en-US" dirty="0"/>
               <a:t>Boosting</a:t>
             </a:r>
-            <a:endParaRPr lang="en-US" dirty="0"/>
           </a:p>
         </p:txBody>
       </p:sp>
@@ -4497,18 +4468,10 @@
                   <a:srgbClr val="0000CC"/>
                 </a:solidFill>
               </a:rPr>
-              <a:t>             Learn a </a:t>
-            </a:r>
-            <a:r>
-              <a:rPr lang="en-US" sz="2400" dirty="0" smtClean="0">
-                <a:solidFill>
-                  <a:srgbClr val="0000CC"/>
-                </a:solidFill>
-              </a:rPr>
-              <a:t>classifier, </a:t>
-            </a:r>
-            <a:r>
-              <a:rPr lang="en-US" sz="2400" i="1" dirty="0" smtClean="0">
+              <a:t>             Learn a classifier, </a:t>
+            </a:r>
+            <a:r>
+              <a:rPr lang="en-US" sz="2400" i="1" dirty="0">
                 <a:solidFill>
                   <a:srgbClr val="0000CC"/>
                 </a:solidFill>
@@ -4516,7 +4479,7 @@
               <a:t>C</a:t>
             </a:r>
             <a:r>
-              <a:rPr lang="en-US" sz="2400" i="1" baseline="-25000" dirty="0" smtClean="0">
+              <a:rPr lang="en-US" sz="2400" i="1" baseline="-25000" dirty="0">
                 <a:solidFill>
                   <a:srgbClr val="0000CC"/>
                 </a:solidFill>
@@ -4549,15 +4512,23 @@
                   <a:srgbClr val="0000CC"/>
                 </a:solidFill>
               </a:rPr>
-              <a:t>             </a:t>
-            </a:r>
-            <a:r>
-              <a:rPr lang="en-US" sz="2400" dirty="0" smtClean="0">
+              <a:t>             Increase the weights of examples </a:t>
+            </a:r>
+            <a:r>
+              <a:rPr lang="en-US" sz="2400" i="1" dirty="0">
                 <a:solidFill>
                   <a:srgbClr val="0000CC"/>
                 </a:solidFill>
               </a:rPr>
-              <a:t>Increase the </a:t>
+              <a:t>C</a:t>
+            </a:r>
+            <a:r>
+              <a:rPr lang="en-US" sz="2400" i="1" baseline="-25000" dirty="0">
+                <a:solidFill>
+                  <a:srgbClr val="0000CC"/>
+                </a:solidFill>
+              </a:rPr>
+              <a:t>t</a:t>
             </a:r>
             <a:r>
               <a:rPr lang="en-US" sz="2400" dirty="0">
@@ -4565,37 +4536,8 @@
                   <a:srgbClr val="0000CC"/>
                 </a:solidFill>
               </a:rPr>
-              <a:t>weights of examples </a:t>
-            </a:r>
-            <a:r>
-              <a:rPr lang="en-US" sz="2400" i="1" dirty="0" smtClean="0">
-                <a:solidFill>
-                  <a:srgbClr val="0000CC"/>
-                </a:solidFill>
-              </a:rPr>
-              <a:t>C</a:t>
-            </a:r>
-            <a:r>
-              <a:rPr lang="en-US" sz="2400" i="1" baseline="-25000" dirty="0" smtClean="0">
-                <a:solidFill>
-                  <a:srgbClr val="0000CC"/>
-                </a:solidFill>
-              </a:rPr>
-              <a:t>t</a:t>
-            </a:r>
-            <a:r>
-              <a:rPr lang="en-US" sz="2400" dirty="0" smtClean="0">
-                <a:solidFill>
-                  <a:srgbClr val="0000CC"/>
-                </a:solidFill>
-              </a:rPr>
               <a:t> classifies incorrectly</a:t>
             </a:r>
-            <a:endParaRPr lang="en-US" sz="2400" dirty="0">
-              <a:solidFill>
-                <a:srgbClr val="0000CC"/>
-              </a:solidFill>
-            </a:endParaRPr>
           </a:p>
           <a:p>
             <a:pPr>
@@ -4606,7 +4548,7 @@
                 <a:spcPct val="5000"/>
               </a:spcBef>
             </a:pPr>
-            <a:endParaRPr lang="en-US" dirty="0" smtClean="0"/>
+            <a:endParaRPr lang="en-US" dirty="0"/>
           </a:p>
           <a:p>
             <a:pPr>
@@ -4618,12 +4560,8 @@
               </a:spcBef>
             </a:pPr>
             <a:r>
-              <a:rPr lang="en-US" dirty="0" smtClean="0"/>
-              <a:t>Base </a:t>
-            </a:r>
-            <a:r>
               <a:rPr lang="en-US" dirty="0"/>
-              <a:t>(weak) learner must focus on correctly classifying the most highly weighted examples while strongly avoiding over-fitting.</a:t>
+              <a:t>Base (weak) learner must focus on correctly classifying the most highly weighted examples while strongly avoiding over-fitting.</a:t>
             </a:r>
           </a:p>
           <a:p>
@@ -4635,7 +4573,7 @@
                 <a:spcPct val="5000"/>
               </a:spcBef>
             </a:pPr>
-            <a:endParaRPr lang="en-US" dirty="0" smtClean="0"/>
+            <a:endParaRPr lang="en-US" dirty="0"/>
           </a:p>
           <a:p>
             <a:pPr>
@@ -4647,12 +4585,8 @@
               </a:spcBef>
             </a:pPr>
             <a:r>
-              <a:rPr lang="en-US" dirty="0" smtClean="0"/>
-              <a:t>During </a:t>
-            </a:r>
-            <a:r>
               <a:rPr lang="en-US" dirty="0"/>
-              <a:t>testing, each of the </a:t>
+              <a:t>During testing, each of the </a:t>
             </a:r>
             <a:r>
               <a:rPr lang="en-US" i="1" dirty="0"/>
@@ -4675,13 +4609,6 @@
   <p:clrMapOvr>
     <a:masterClrMapping/>
   </p:clrMapOvr>
-  <p:timing>
-    <p:tnLst>
-      <p:par>
-        <p:cTn id="1" dur="indefinite" restart="never" nodeType="tmRoot"/>
-      </p:par>
-    </p:tnLst>
-  </p:timing>
 </p:sld>
 </file>
 
@@ -4762,7 +4689,7 @@
           <a:graphicData uri="http://schemas.openxmlformats.org/presentationml/2006/ole">
             <mc:AlternateContent xmlns:mc="http://schemas.openxmlformats.org/markup-compatibility/2006">
               <mc:Choice xmlns:v="urn:schemas-microsoft-com:vml" Requires="v">
-                <p:oleObj spid="_x0000_s1040" name="Image" r:id="rId3" imgW="7441270" imgH="4685714" progId="Photoshop.Image.7">
+                <p:oleObj spid="_x0000_s1043" name="Image" r:id="rId3" imgW="7441270" imgH="4685714" progId="Photoshop.Image.7">
                   <p:embed/>
                 </p:oleObj>
               </mc:Choice>
@@ -5026,7 +4953,7 @@
             <a:graphicData uri="http://schemas.openxmlformats.org/presentationml/2006/ole">
               <mc:AlternateContent xmlns:mc="http://schemas.openxmlformats.org/markup-compatibility/2006">
                 <mc:Choice xmlns:v="urn:schemas-microsoft-com:vml" Requires="v">
-                  <p:oleObj spid="_x0000_s1041" name="Image" r:id="rId5" imgW="1892063" imgH="596615" progId="Photoshop.Image.7">
+                  <p:oleObj spid="_x0000_s1044" name="Image" r:id="rId5" imgW="1892063" imgH="596615" progId="Photoshop.Image.7">
                     <p:embed/>
                   </p:oleObj>
                 </mc:Choice>
@@ -5122,7 +5049,7 @@
             <a:graphicData uri="http://schemas.openxmlformats.org/presentationml/2006/ole">
               <mc:AlternateContent xmlns:mc="http://schemas.openxmlformats.org/markup-compatibility/2006">
                 <mc:Choice xmlns:v="urn:schemas-microsoft-com:vml" Requires="v">
-                  <p:oleObj spid="_x0000_s1042" name="Image" r:id="rId7" imgW="2400000" imgH="317125" progId="Photoshop.Image.7">
+                  <p:oleObj spid="_x0000_s1045" name="Image" r:id="rId7" imgW="2400000" imgH="317125" progId="Photoshop.Image.7">
                     <p:embed/>
                   </p:oleObj>
                 </mc:Choice>
@@ -5726,13 +5653,6 @@
   <p:clrMapOvr>
     <a:masterClrMapping/>
   </p:clrMapOvr>
-  <p:timing>
-    <p:tnLst>
-      <p:par>
-        <p:cTn id="1" dur="indefinite" restart="never" nodeType="tmRoot"/>
-      </p:par>
-    </p:tnLst>
-  </p:timing>
 </p:sld>
 </file>
 
@@ -5825,13 +5745,6 @@
   <p:clrMapOvr>
     <a:masterClrMapping/>
   </p:clrMapOvr>
-  <p:timing>
-    <p:tnLst>
-      <p:par>
-        <p:cTn id="1" dur="indefinite" restart="never" nodeType="tmRoot"/>
-      </p:par>
-    </p:tnLst>
-  </p:timing>
 </p:sld>
 </file>
 
@@ -5893,13 +5806,8 @@
             </a:pPr>
             <a:r>
               <a:rPr lang="en-US" dirty="0"/>
-              <a:t>Can be used with many different </a:t>
-            </a:r>
-            <a:r>
-              <a:rPr lang="en-US" dirty="0" smtClean="0"/>
-              <a:t>types of classifiers</a:t>
-            </a:r>
-            <a:endParaRPr lang="en-US" dirty="0"/>
+              <a:t>Can be used with many different types of classifiers</a:t>
+            </a:r>
           </a:p>
           <a:p>
             <a:pPr marL="0" indent="0">
@@ -5931,14 +5839,11 @@
           <a:lstStyle/>
           <a:p>
             <a:r>
-              <a:rPr lang="en-US" dirty="0" smtClean="0">
+              <a:rPr lang="en-US" dirty="0">
                 <a:latin typeface="Calibri" charset="0"/>
               </a:rPr>
               <a:t>Boosting</a:t>
             </a:r>
-            <a:endParaRPr lang="en-US" dirty="0">
-              <a:latin typeface="Calibri" charset="0"/>
-            </a:endParaRPr>
           </a:p>
         </p:txBody>
       </p:sp>
@@ -5964,14 +5869,14 @@
           </a:ln>
           <a:extLst>
             <a:ext uri="{909E8E84-426E-40dd-AFC4-6F175D3DCCD1}">
-              <a14:hiddenFill xmlns:a14="http://schemas.microsoft.com/office/drawing/2010/main" xmlns="">
+              <a14:hiddenFill xmlns="" xmlns:a14="http://schemas.microsoft.com/office/drawing/2010/main">
                 <a:solidFill>
                   <a:srgbClr val="FFFFFF"/>
                 </a:solidFill>
               </a14:hiddenFill>
             </a:ext>
             <a:ext uri="{91240B29-F687-4f45-9708-019B960494DF}">
-              <a14:hiddenLine xmlns:a14="http://schemas.microsoft.com/office/drawing/2010/main" xmlns="" w="9525">
+              <a14:hiddenLine xmlns="" xmlns:a14="http://schemas.microsoft.com/office/drawing/2010/main" w="9525">
                 <a:solidFill>
                   <a:srgbClr val="000000"/>
                 </a:solidFill>
@@ -6113,13 +6018,6 @@
     <a:masterClrMapping/>
   </p:clrMapOvr>
   <p:transition/>
-  <p:timing>
-    <p:tnLst>
-      <p:par>
-        <p:cTn id="1" dur="indefinite" restart="never" nodeType="tmRoot"/>
-      </p:par>
-    </p:tnLst>
-  </p:timing>
 </p:sld>
 </file>
 
@@ -6261,10 +6159,9 @@
           <a:lstStyle/>
           <a:p>
             <a:r>
-              <a:rPr lang="en-US" dirty="0" smtClean="0"/>
+              <a:rPr lang="en-US" dirty="0"/>
               <a:t>Random Forest</a:t>
             </a:r>
-            <a:endParaRPr lang="en-US" dirty="0"/>
           </a:p>
         </p:txBody>
       </p:sp>
@@ -6428,13 +6325,6 @@
   <p:clrMapOvr>
     <a:masterClrMapping/>
   </p:clrMapOvr>
-  <p:timing>
-    <p:tnLst>
-      <p:par>
-        <p:cTn id="1" dur="indefinite" restart="never" nodeType="tmRoot"/>
-      </p:par>
-    </p:tnLst>
-  </p:timing>
 </p:sld>
 </file>
 
@@ -6472,13 +6362,8 @@
           <a:p>
             <a:r>
               <a:rPr lang="en-US" dirty="0"/>
-              <a:t>Random </a:t>
-            </a:r>
-            <a:r>
-              <a:rPr lang="en-US" dirty="0" smtClean="0"/>
-              <a:t>Forests</a:t>
-            </a:r>
-            <a:endParaRPr lang="en-US" dirty="0"/>
+              <a:t>Random Forests</a:t>
+            </a:r>
           </a:p>
         </p:txBody>
       </p:sp>
@@ -6507,18 +6392,11 @@
               <a:buChar char="•"/>
             </a:pPr>
             <a:r>
-              <a:rPr lang="en-US" altLang="zh-CN" sz="2800" dirty="0" smtClean="0">
-                <a:ea typeface="SimSun" charset="0"/>
-                <a:cs typeface="SimSun" charset="0"/>
-              </a:rPr>
-              <a:t>Motivation</a:t>
-            </a:r>
-            <a:r>
               <a:rPr lang="en-US" altLang="zh-CN" sz="2800" dirty="0">
                 <a:ea typeface="SimSun" charset="0"/>
                 <a:cs typeface="SimSun" charset="0"/>
               </a:rPr>
-              <a:t>: reduce error correlation between classifiers</a:t>
+              <a:t>Motivation: reduce error correlation between classifiers</a:t>
             </a:r>
           </a:p>
           <a:p>
@@ -6526,7 +6404,7 @@
               <a:buFontTx/>
               <a:buChar char="•"/>
             </a:pPr>
-            <a:endParaRPr lang="en-US" altLang="zh-CN" sz="2800" dirty="0" smtClean="0">
+            <a:endParaRPr lang="en-US" altLang="zh-CN" sz="2800" dirty="0">
               <a:ea typeface="SimSun" charset="0"/>
               <a:cs typeface="SimSun" charset="0"/>
             </a:endParaRPr>
@@ -6537,18 +6415,11 @@
               <a:buChar char="•"/>
             </a:pPr>
             <a:r>
-              <a:rPr lang="en-US" altLang="zh-CN" sz="2800" dirty="0" smtClean="0">
-                <a:ea typeface="SimSun" charset="0"/>
-                <a:cs typeface="SimSun" charset="0"/>
-              </a:rPr>
-              <a:t>Main </a:t>
-            </a:r>
-            <a:r>
               <a:rPr lang="en-US" altLang="zh-CN" sz="2800" dirty="0">
                 <a:ea typeface="SimSun" charset="0"/>
                 <a:cs typeface="SimSun" charset="0"/>
               </a:rPr>
-              <a:t>idea: build a larger number of un-pruned decision trees </a:t>
+              <a:t>Main idea: build a larger number of un-pruned decision trees </a:t>
             </a:r>
           </a:p>
           <a:p>
@@ -6556,7 +6427,7 @@
               <a:buFontTx/>
               <a:buChar char="•"/>
             </a:pPr>
-            <a:endParaRPr lang="en-US" altLang="zh-CN" sz="2800" dirty="0" smtClean="0">
+            <a:endParaRPr lang="en-US" altLang="zh-CN" sz="2800" dirty="0">
               <a:ea typeface="SimSun" charset="0"/>
               <a:cs typeface="SimSun" charset="0"/>
             </a:endParaRPr>
@@ -6567,18 +6438,11 @@
               <a:buChar char="•"/>
             </a:pPr>
             <a:r>
-              <a:rPr lang="en-US" altLang="zh-CN" sz="2800" dirty="0" smtClean="0">
-                <a:ea typeface="SimSun" charset="0"/>
-                <a:cs typeface="SimSun" charset="0"/>
-              </a:rPr>
-              <a:t>Key</a:t>
-            </a:r>
-            <a:r>
               <a:rPr lang="en-US" altLang="zh-CN" sz="2800" dirty="0">
                 <a:ea typeface="SimSun" charset="0"/>
                 <a:cs typeface="SimSun" charset="0"/>
               </a:rPr>
-              <a:t>: using a random selection of features to split on at each node </a:t>
+              <a:t>Key: using a random selection of features to split on at each node </a:t>
             </a:r>
             <a:endParaRPr lang="en-US" sz="2800" dirty="0"/>
           </a:p>
@@ -6594,21 +6458,6 @@
   <p:clrMapOvr>
     <a:masterClrMapping/>
   </p:clrMapOvr>
-  <mc:AlternateContent xmlns:mc="http://schemas.openxmlformats.org/markup-compatibility/2006" xmlns:p14="http://schemas.microsoft.com/office/powerpoint/2010/main">
-    <mc:Choice Requires="p14">
-      <p:transition spd="slow" p14:dur="2000"/>
-    </mc:Choice>
-    <mc:Fallback xmlns="">
-      <p:transition xmlns:p14="http://schemas.microsoft.com/office/powerpoint/2010/main" spd="slow"/>
-    </mc:Fallback>
-  </mc:AlternateContent>
-  <p:timing>
-    <p:tnLst>
-      <p:par>
-        <p:cTn id="1" dur="indefinite" restart="never" nodeType="tmRoot"/>
-      </p:par>
-    </p:tnLst>
-  </p:timing>
 </p:sld>
 </file>
 
@@ -6676,7 +6525,7 @@
             <a:pPr marL="0" indent="0">
               <a:buNone/>
             </a:pPr>
-            <a:endParaRPr lang="en-US" altLang="zh-CN" sz="2800" dirty="0" smtClean="0">
+            <a:endParaRPr lang="en-US" altLang="zh-CN" sz="2800" dirty="0">
               <a:ea typeface="SimSun" charset="0"/>
               <a:cs typeface="SimSun" charset="0"/>
             </a:endParaRPr>
@@ -6691,19 +6540,8 @@
                 <a:ea typeface="SimSun" charset="0"/>
                 <a:cs typeface="SimSun" charset="0"/>
               </a:rPr>
-              <a:t>Error rates compare favorably to </a:t>
-            </a:r>
-            <a:r>
-              <a:rPr lang="en-US" altLang="zh-CN" sz="2800" dirty="0" err="1" smtClean="0">
-                <a:ea typeface="SimSun" charset="0"/>
-                <a:cs typeface="SimSun" charset="0"/>
-              </a:rPr>
-              <a:t>Adaboost</a:t>
-            </a:r>
-            <a:endParaRPr lang="en-US" altLang="zh-CN" sz="2800" dirty="0" smtClean="0">
-              <a:ea typeface="SimSun" charset="0"/>
-              <a:cs typeface="SimSun" charset="0"/>
-            </a:endParaRPr>
+              <a:t>Accurate</a:t>
+            </a:r>
           </a:p>
           <a:p>
             <a:pPr>
@@ -6725,14 +6563,7 @@
                 <a:ea typeface="SimSun" charset="0"/>
                 <a:cs typeface="SimSun" charset="0"/>
               </a:rPr>
-              <a:t>More robust with respect to noise</a:t>
-            </a:r>
-            <a:r>
-              <a:rPr lang="en-US" altLang="zh-CN" sz="2800" dirty="0" smtClean="0">
-                <a:ea typeface="SimSun" charset="0"/>
-                <a:cs typeface="SimSun" charset="0"/>
-              </a:rPr>
-              <a:t>.</a:t>
+              <a:t>More robust with respect to noise.</a:t>
             </a:r>
           </a:p>
           <a:p>
@@ -6755,14 +6586,7 @@
                 <a:ea typeface="SimSun" charset="0"/>
                 <a:cs typeface="SimSun" charset="0"/>
               </a:rPr>
-              <a:t>More efficient on large </a:t>
-            </a:r>
-            <a:r>
-              <a:rPr lang="en-US" altLang="zh-CN" sz="2800" dirty="0" smtClean="0">
-                <a:ea typeface="SimSun" charset="0"/>
-                <a:cs typeface="SimSun" charset="0"/>
-              </a:rPr>
-              <a:t>data</a:t>
+              <a:t>More efficient on large data</a:t>
             </a:r>
           </a:p>
           <a:p>
@@ -6785,14 +6609,7 @@
                 <a:ea typeface="SimSun" charset="0"/>
                 <a:cs typeface="SimSun" charset="0"/>
               </a:rPr>
-              <a:t>Provides an estimation of the importance of features in determining </a:t>
-            </a:r>
-            <a:r>
-              <a:rPr lang="en-US" altLang="zh-CN" sz="2800" dirty="0" smtClean="0">
-                <a:ea typeface="SimSun" charset="0"/>
-                <a:cs typeface="SimSun" charset="0"/>
-              </a:rPr>
-              <a:t>classification</a:t>
+              <a:t>Provides an estimation of the importance of features in determining classification</a:t>
             </a:r>
           </a:p>
           <a:p>
@@ -6869,21 +6686,6 @@
   <p:clrMapOvr>
     <a:masterClrMapping/>
   </p:clrMapOvr>
-  <mc:AlternateContent xmlns:mc="http://schemas.openxmlformats.org/markup-compatibility/2006" xmlns:p14="http://schemas.microsoft.com/office/powerpoint/2010/main">
-    <mc:Choice Requires="p14">
-      <p:transition spd="slow" p14:dur="2000"/>
-    </mc:Choice>
-    <mc:Fallback xmlns="">
-      <p:transition xmlns:p14="http://schemas.microsoft.com/office/powerpoint/2010/main" spd="slow"/>
-    </mc:Fallback>
-  </mc:AlternateContent>
-  <p:timing>
-    <p:tnLst>
-      <p:par>
-        <p:cTn id="1" dur="indefinite" restart="never" nodeType="tmRoot"/>
-      </p:par>
-    </p:tnLst>
-  </p:timing>
 </p:sld>
 </file>
 
@@ -6920,7 +6722,7 @@
           <a:lstStyle/>
           <a:p>
             <a:r>
-              <a:rPr lang="en-US" dirty="0" smtClean="0"/>
+              <a:rPr lang="en-US" dirty="0"/>
               <a:t>Could you inject more randomness in random forests?</a:t>
             </a:r>
           </a:p>
@@ -6929,7 +6731,7 @@
           </a:p>
           <a:p>
             <a:r>
-              <a:rPr lang="en-US" dirty="0" smtClean="0"/>
+              <a:rPr lang="en-US" dirty="0"/>
               <a:t>How?</a:t>
             </a:r>
           </a:p>
@@ -6938,10 +6740,9 @@
           </a:p>
           <a:p>
             <a:r>
-              <a:rPr lang="en-US" dirty="0" smtClean="0"/>
+              <a:rPr lang="en-US" dirty="0"/>
               <a:t>What would be the impact?</a:t>
             </a:r>
-            <a:endParaRPr lang="en-US" dirty="0"/>
           </a:p>
         </p:txBody>
       </p:sp>
@@ -6961,10 +6762,9 @@
           <a:lstStyle/>
           <a:p>
             <a:r>
-              <a:rPr lang="en-US" dirty="0" smtClean="0"/>
+              <a:rPr lang="en-US" dirty="0"/>
               <a:t>Questions to think about?</a:t>
             </a:r>
-            <a:endParaRPr lang="en-US" dirty="0"/>
           </a:p>
         </p:txBody>
       </p:sp>
@@ -7014,38 +6814,38 @@
           <a:lstStyle/>
           <a:p>
             <a:r>
-              <a:rPr lang="en-US" dirty="0" smtClean="0"/>
+              <a:rPr lang="en-US" dirty="0"/>
               <a:t>Complexity</a:t>
             </a:r>
           </a:p>
           <a:p>
             <a:r>
-              <a:rPr lang="en-US" dirty="0" err="1" smtClean="0"/>
+              <a:rPr lang="en-US" dirty="0" err="1"/>
               <a:t>Overfitting</a:t>
             </a:r>
-            <a:endParaRPr lang="en-US" dirty="0" smtClean="0"/>
-          </a:p>
-          <a:p>
-            <a:r>
-              <a:rPr lang="en-US" dirty="0" smtClean="0"/>
+            <a:endParaRPr lang="en-US" dirty="0"/>
+          </a:p>
+          <a:p>
+            <a:r>
+              <a:rPr lang="en-US" dirty="0"/>
               <a:t>Robustness</a:t>
             </a:r>
           </a:p>
           <a:p>
             <a:r>
-              <a:rPr lang="en-US" dirty="0" smtClean="0"/>
+              <a:rPr lang="en-US" dirty="0"/>
               <a:t>Interpretability</a:t>
             </a:r>
           </a:p>
           <a:p>
             <a:r>
-              <a:rPr lang="en-US" dirty="0" smtClean="0"/>
+              <a:rPr lang="en-US" dirty="0"/>
               <a:t>Training Time</a:t>
             </a:r>
           </a:p>
           <a:p>
             <a:r>
-              <a:rPr lang="en-US" dirty="0" smtClean="0"/>
+              <a:rPr lang="en-US" dirty="0"/>
               <a:t>Test Time</a:t>
             </a:r>
           </a:p>
@@ -7070,10 +6870,9 @@
           <a:lstStyle/>
           <a:p>
             <a:r>
-              <a:rPr lang="en-US" dirty="0" smtClean="0"/>
+              <a:rPr lang="en-US" dirty="0"/>
               <a:t>Factors to consider</a:t>
             </a:r>
-            <a:endParaRPr lang="en-US" dirty="0"/>
           </a:p>
         </p:txBody>
       </p:sp>
@@ -7087,13 +6886,6 @@
   <p:clrMapOvr>
     <a:masterClrMapping/>
   </p:clrMapOvr>
-  <p:timing>
-    <p:tnLst>
-      <p:par>
-        <p:cTn id="1" dur="indefinite" restart="never" nodeType="tmRoot"/>
-      </p:par>
-    </p:tnLst>
-  </p:timing>
 </p:sld>
 </file>
 
@@ -7130,10 +6922,9 @@
           <a:lstStyle/>
           <a:p>
             <a:r>
-              <a:rPr lang="en-US" dirty="0" smtClean="0"/>
+              <a:rPr lang="en-US" dirty="0"/>
               <a:t>Methods</a:t>
             </a:r>
-            <a:endParaRPr lang="en-US" dirty="0"/>
           </a:p>
         </p:txBody>
       </p:sp>
@@ -7155,7 +6946,7 @@
           <a:lstStyle/>
           <a:p>
             <a:r>
-              <a:rPr lang="en-US" dirty="0" smtClean="0">
+              <a:rPr lang="en-US" dirty="0">
                 <a:solidFill>
                   <a:schemeClr val="accent3">
                     <a:lumMod val="75000"/>
@@ -7164,17 +6955,10 @@
               </a:rPr>
               <a:t>Regression</a:t>
             </a:r>
-            <a:endParaRPr lang="en-US" dirty="0">
-              <a:solidFill>
-                <a:schemeClr val="accent3">
-                  <a:lumMod val="75000"/>
-                </a:schemeClr>
-              </a:solidFill>
-            </a:endParaRPr>
-          </a:p>
-          <a:p>
-            <a:r>
-              <a:rPr lang="en-US" dirty="0" smtClean="0">
+          </a:p>
+          <a:p>
+            <a:r>
+              <a:rPr lang="en-US" dirty="0">
                 <a:solidFill>
                   <a:schemeClr val="accent3">
                     <a:lumMod val="75000"/>
@@ -7193,22 +6977,12 @@
                   </a:schemeClr>
                 </a:solidFill>
               </a:rPr>
-              <a:t>Decision </a:t>
-            </a:r>
-            <a:r>
-              <a:rPr lang="en-US" dirty="0" smtClean="0">
-                <a:solidFill>
-                  <a:schemeClr val="accent3">
-                    <a:lumMod val="75000"/>
-                  </a:schemeClr>
-                </a:solidFill>
-              </a:rPr>
-              <a:t>Trees</a:t>
-            </a:r>
-          </a:p>
-          <a:p>
-            <a:r>
-              <a:rPr lang="en-US" dirty="0" smtClean="0">
+              <a:t>Decision Trees</a:t>
+            </a:r>
+          </a:p>
+          <a:p>
+            <a:r>
+              <a:rPr lang="en-US" dirty="0">
                 <a:solidFill>
                   <a:schemeClr val="accent3">
                     <a:lumMod val="75000"/>
@@ -7232,28 +7006,28 @@
           </a:p>
           <a:p>
             <a:r>
-              <a:rPr lang="en-US" dirty="0" smtClean="0"/>
+              <a:rPr lang="en-US" dirty="0"/>
               <a:t>Ensembles</a:t>
             </a:r>
           </a:p>
           <a:p>
             <a:pPr lvl="1"/>
             <a:r>
-              <a:rPr lang="en-US" dirty="0" smtClean="0"/>
+              <a:rPr lang="en-US" dirty="0"/>
               <a:t>Bagging</a:t>
             </a:r>
           </a:p>
           <a:p>
             <a:pPr lvl="1"/>
             <a:r>
-              <a:rPr lang="en-US" dirty="0" smtClean="0"/>
+              <a:rPr lang="en-US" dirty="0"/>
               <a:t>Boosting</a:t>
             </a:r>
           </a:p>
           <a:p>
             <a:pPr lvl="1"/>
             <a:r>
-              <a:rPr lang="en-US" dirty="0" smtClean="0"/>
+              <a:rPr lang="en-US" dirty="0"/>
               <a:t>Random Forests</a:t>
             </a:r>
           </a:p>
@@ -7268,7 +7042,7 @@
           </a:p>
           <a:p>
             <a:pPr lvl="1"/>
-            <a:endParaRPr lang="en-US" dirty="0" smtClean="0"/>
+            <a:endParaRPr lang="en-US" dirty="0"/>
           </a:p>
           <a:p>
             <a:endParaRPr lang="en-US" dirty="0"/>
@@ -7337,10 +7111,9 @@
           <a:lstStyle/>
           <a:p>
             <a:r>
-              <a:rPr lang="en-US" sz="2400" b="1" dirty="0" smtClean="0"/>
+              <a:rPr lang="en-US" sz="2400" b="1" dirty="0"/>
               <a:t>We’ll cover these today</a:t>
             </a:r>
-            <a:endParaRPr lang="en-US" sz="2400" b="1" dirty="0"/>
           </a:p>
         </p:txBody>
       </p:sp>
@@ -7354,13 +7127,6 @@
   <p:clrMapOvr>
     <a:masterClrMapping/>
   </p:clrMapOvr>
-  <p:timing>
-    <p:tnLst>
-      <p:par>
-        <p:cTn id="1" dur="indefinite" restart="never" nodeType="tmRoot"/>
-      </p:par>
-    </p:tnLst>
-  </p:timing>
 </p:sld>
 </file>
 
@@ -7426,7 +7192,7 @@
               <a:buNone/>
               <a:defRPr/>
             </a:pPr>
-            <a:endParaRPr lang="en-US" sz="2800" dirty="0" smtClean="0">
+            <a:endParaRPr lang="en-US" sz="2800" dirty="0">
               <a:ea typeface="+mn-ea"/>
             </a:endParaRPr>
           </a:p>
@@ -7437,7 +7203,7 @@
               <a:defRPr/>
             </a:pPr>
             <a:r>
-              <a:rPr lang="en-US" sz="2800" dirty="0" smtClean="0">
+              <a:rPr lang="en-US" sz="2800" dirty="0">
                 <a:ea typeface="+mn-ea"/>
               </a:rPr>
               <a:t>Better to have smart features and simple classifiers than simple features and smart classifiers</a:t>
@@ -7449,7 +7215,7 @@
               <a:buChar char="•"/>
               <a:defRPr/>
             </a:pPr>
-            <a:endParaRPr lang="en-US" sz="2800" dirty="0" smtClean="0">
+            <a:endParaRPr lang="en-US" sz="2800" dirty="0">
               <a:ea typeface="+mn-ea"/>
             </a:endParaRPr>
           </a:p>
@@ -7460,7 +7226,7 @@
               <a:defRPr/>
             </a:pPr>
             <a:r>
-              <a:rPr lang="en-US" sz="2800" dirty="0" smtClean="0">
+              <a:rPr lang="en-US" sz="2800" dirty="0">
                 <a:ea typeface="+mn-ea"/>
               </a:rPr>
               <a:t>Need more training data with increasingly powerful classifiers (bias-variance tradeoff)</a:t>
@@ -7472,7 +7238,7 @@
               <a:buChar char="•"/>
               <a:defRPr/>
             </a:pPr>
-            <a:endParaRPr lang="en-US" sz="2800" dirty="0" smtClean="0">
+            <a:endParaRPr lang="en-US" sz="2800" dirty="0">
               <a:ea typeface="+mn-ea"/>
             </a:endParaRPr>
           </a:p>
@@ -7742,10 +7508,9 @@
           <a:lstStyle/>
           <a:p>
             <a:r>
-              <a:rPr lang="en-US" dirty="0" smtClean="0"/>
+              <a:rPr lang="en-US" dirty="0"/>
               <a:t>Why Ensembles?</a:t>
             </a:r>
-            <a:endParaRPr lang="en-US" dirty="0"/>
           </a:p>
         </p:txBody>
       </p:sp>
@@ -7759,13 +7524,6 @@
   <p:clrMapOvr>
     <a:masterClrMapping/>
   </p:clrMapOvr>
-  <p:timing>
-    <p:tnLst>
-      <p:par>
-        <p:cTn id="1" dur="indefinite" restart="never" nodeType="tmRoot"/>
-      </p:par>
-    </p:tnLst>
-  </p:timing>
 </p:sld>
 </file>
 
@@ -7802,10 +7560,9 @@
           <a:lstStyle/>
           <a:p>
             <a:r>
-              <a:rPr lang="en-US" dirty="0" smtClean="0"/>
+              <a:rPr lang="en-US" dirty="0"/>
               <a:t>How can we create ensembles?</a:t>
             </a:r>
-            <a:endParaRPr lang="en-US" dirty="0"/>
           </a:p>
         </p:txBody>
       </p:sp>
@@ -8118,28 +7875,27 @@
           <a:lstStyle/>
           <a:p>
             <a:r>
-              <a:rPr lang="en-US" dirty="0" smtClean="0"/>
+              <a:rPr lang="en-US" dirty="0"/>
               <a:t>Bagging (Bootstrap Aggregation)</a:t>
             </a:r>
           </a:p>
           <a:p>
             <a:r>
-              <a:rPr lang="en-US" dirty="0" smtClean="0"/>
+              <a:rPr lang="en-US" dirty="0"/>
               <a:t>Boosting</a:t>
             </a:r>
           </a:p>
           <a:p>
             <a:r>
-              <a:rPr lang="en-US" dirty="0" smtClean="0"/>
+              <a:rPr lang="en-US" dirty="0"/>
               <a:t>Random Forests</a:t>
             </a:r>
           </a:p>
           <a:p>
             <a:r>
-              <a:rPr lang="en-US" dirty="0" smtClean="0"/>
+              <a:rPr lang="en-US" dirty="0"/>
               <a:t>Stacking</a:t>
             </a:r>
-            <a:endParaRPr lang="en-US" dirty="0"/>
           </a:p>
         </p:txBody>
       </p:sp>
@@ -8159,10 +7915,9 @@
           <a:lstStyle/>
           <a:p>
             <a:r>
-              <a:rPr lang="en-US" dirty="0" smtClean="0"/>
+              <a:rPr lang="en-US" dirty="0"/>
               <a:t>Ensemble Methods</a:t>
             </a:r>
-            <a:endParaRPr lang="en-US" dirty="0"/>
           </a:p>
         </p:txBody>
       </p:sp>
@@ -8176,13 +7931,6 @@
   <p:clrMapOvr>
     <a:masterClrMapping/>
   </p:clrMapOvr>
-  <p:timing>
-    <p:tnLst>
-      <p:par>
-        <p:cTn id="1" dur="indefinite" restart="never" nodeType="tmRoot"/>
-      </p:par>
-    </p:tnLst>
-  </p:timing>
 </p:sld>
 </file>
 
@@ -8235,11 +7983,7 @@
             </a:r>
             <a:r>
               <a:rPr lang="en-US" sz="2400" dirty="0"/>
-              <a:t>, 1996)</a:t>
-            </a:r>
-            <a:r>
-              <a:rPr lang="en-US" sz="2400" dirty="0" smtClean="0"/>
-              <a:t>.</a:t>
+              <a:t>, 1996).</a:t>
             </a:r>
           </a:p>
           <a:p>
@@ -8330,7 +8074,7 @@
                 <a:spcPct val="90000"/>
               </a:lnSpc>
             </a:pPr>
-            <a:endParaRPr lang="en-US" sz="2400" dirty="0" smtClean="0"/>
+            <a:endParaRPr lang="en-US" sz="2400" dirty="0"/>
           </a:p>
           <a:p>
             <a:pPr>
@@ -8339,12 +8083,8 @@
               </a:lnSpc>
             </a:pPr>
             <a:r>
-              <a:rPr lang="en-US" sz="2400" dirty="0" smtClean="0"/>
-              <a:t>Combine </a:t>
-            </a:r>
-            <a:r>
               <a:rPr lang="en-US" sz="2400" dirty="0"/>
-              <a:t>the </a:t>
+              <a:t>Combine the </a:t>
             </a:r>
             <a:r>
               <a:rPr lang="en-US" sz="2400" i="1" dirty="0"/>
@@ -8362,7 +8102,7 @@
               </a:lnSpc>
               <a:buNone/>
             </a:pPr>
-            <a:endParaRPr lang="en-US" sz="2400" dirty="0" smtClean="0"/>
+            <a:endParaRPr lang="en-US" sz="2400" dirty="0"/>
           </a:p>
         </p:txBody>
       </p:sp>
@@ -8382,10 +8122,9 @@
           <a:lstStyle/>
           <a:p>
             <a:r>
-              <a:rPr lang="en-US" dirty="0" smtClean="0"/>
+              <a:rPr lang="en-US" dirty="0"/>
               <a:t>Bagging</a:t>
             </a:r>
-            <a:endParaRPr lang="en-US" dirty="0"/>
           </a:p>
         </p:txBody>
       </p:sp>
@@ -8399,13 +8138,6 @@
   <p:clrMapOvr>
     <a:masterClrMapping/>
   </p:clrMapOvr>
-  <p:timing>
-    <p:tnLst>
-      <p:par>
-        <p:cTn id="1" dur="indefinite" restart="never" nodeType="tmRoot"/>
-      </p:par>
-    </p:tnLst>
-  </p:timing>
 </p:sld>
 </file>
 
@@ -8460,15 +8192,7 @@
             <a:pPr lvl="1"/>
             <a:r>
               <a:rPr lang="en-US" dirty="0"/>
-              <a:t>Draw </a:t>
-            </a:r>
-            <a:r>
-              <a:rPr lang="en-US" dirty="0" smtClean="0"/>
-              <a:t>samples with </a:t>
-            </a:r>
-            <a:r>
-              <a:rPr lang="en-US" dirty="0"/>
-              <a:t>replacement</a:t>
+              <a:t>Draw samples with replacement</a:t>
             </a:r>
           </a:p>
           <a:p>
@@ -8515,29 +8239,21 @@
           </a:p>
           <a:p>
             <a:r>
-              <a:rPr lang="en-US" dirty="0" smtClean="0"/>
+              <a:rPr lang="en-US" dirty="0"/>
               <a:t>Why does it work?</a:t>
             </a:r>
           </a:p>
           <a:p>
             <a:pPr lvl="1"/>
             <a:r>
-              <a:rPr lang="en-US" dirty="0" smtClean="0"/>
-              <a:t>Increases </a:t>
-            </a:r>
-            <a:r>
               <a:rPr lang="en-US" dirty="0"/>
-              <a:t>classifier stability/reduces </a:t>
-            </a:r>
-            <a:r>
-              <a:rPr lang="en-US" dirty="0" smtClean="0"/>
-              <a:t>variance</a:t>
+              <a:t>Increases classifier stability/reduces variance</a:t>
             </a:r>
           </a:p>
           <a:p>
             <a:pPr lvl="1"/>
             <a:r>
-              <a:rPr lang="en-US" dirty="0" smtClean="0"/>
+              <a:rPr lang="en-US" dirty="0"/>
               <a:t>Works better with unstable classifiers (Decision Trees)</a:t>
             </a:r>
           </a:p>
@@ -8571,14 +8287,11 @@
           <a:lstStyle/>
           <a:p>
             <a:r>
-              <a:rPr lang="en-US" dirty="0" smtClean="0">
+              <a:rPr lang="en-US" dirty="0">
                 <a:latin typeface="Calibri" charset="0"/>
               </a:rPr>
               <a:t>Bagging</a:t>
             </a:r>
-            <a:endParaRPr lang="en-US" dirty="0">
-              <a:latin typeface="Calibri" charset="0"/>
-            </a:endParaRPr>
           </a:p>
         </p:txBody>
       </p:sp>
@@ -8604,14 +8317,14 @@
           </a:ln>
           <a:extLst>
             <a:ext uri="{909E8E84-426E-40dd-AFC4-6F175D3DCCD1}">
-              <a14:hiddenFill xmlns:a14="http://schemas.microsoft.com/office/drawing/2010/main" xmlns="">
+              <a14:hiddenFill xmlns="" xmlns:a14="http://schemas.microsoft.com/office/drawing/2010/main">
                 <a:solidFill>
                   <a:srgbClr val="FFFFFF"/>
                 </a:solidFill>
               </a14:hiddenFill>
             </a:ext>
             <a:ext uri="{91240B29-F687-4f45-9708-019B960494DF}">
-              <a14:hiddenLine xmlns:a14="http://schemas.microsoft.com/office/drawing/2010/main" xmlns="" w="9525">
+              <a14:hiddenLine xmlns="" xmlns:a14="http://schemas.microsoft.com/office/drawing/2010/main" w="9525">
                 <a:solidFill>
                   <a:srgbClr val="000000"/>
                 </a:solidFill>
@@ -8753,13 +8466,6 @@
     <a:masterClrMapping/>
   </p:clrMapOvr>
   <p:transition/>
-  <p:timing>
-    <p:tnLst>
-      <p:par>
-        <p:cTn id="1" dur="indefinite" restart="never" nodeType="tmRoot"/>
-      </p:par>
-    </p:tnLst>
-  </p:timing>
 </p:sld>
 </file>
 
@@ -8815,17 +8521,16 @@
             </a:r>
           </a:p>
           <a:p>
-            <a:endParaRPr lang="en-US" dirty="0" smtClean="0"/>
-          </a:p>
-          <a:p>
             <a:endParaRPr lang="en-US" dirty="0"/>
           </a:p>
           <a:p>
-            <a:r>
-              <a:rPr lang="en-US" dirty="0" smtClean="0"/>
+            <a:endParaRPr lang="en-US" dirty="0"/>
+          </a:p>
+          <a:p>
+            <a:r>
+              <a:rPr lang="en-US" dirty="0"/>
               <a:t>What are some problems with it?</a:t>
             </a:r>
-            <a:endParaRPr lang="en-US" dirty="0"/>
           </a:p>
         </p:txBody>
       </p:sp>
@@ -8858,13 +8563,6 @@
   <p:clrMapOvr>
     <a:masterClrMapping/>
   </p:clrMapOvr>
-  <p:timing>
-    <p:tnLst>
-      <p:par>
-        <p:cTn id="1" dur="indefinite" restart="never" nodeType="tmRoot"/>
-      </p:par>
-    </p:tnLst>
-  </p:timing>
 </p:sld>
 </file>
 
@@ -8904,44 +8602,11 @@
               <a:rPr lang="en-US" dirty="0"/>
               <a:t>Examples are given weights. </a:t>
             </a:r>
-            <a:endParaRPr lang="en-US" dirty="0" smtClean="0"/>
-          </a:p>
-          <a:p>
-            <a:r>
-              <a:rPr lang="en-US" dirty="0" smtClean="0"/>
-              <a:t>At </a:t>
-            </a:r>
+          </a:p>
+          <a:p>
             <a:r>
               <a:rPr lang="en-US" dirty="0"/>
-              <a:t>each iteration, a new </a:t>
-            </a:r>
-            <a:r>
-              <a:rPr lang="en-US" dirty="0" smtClean="0"/>
-              <a:t>hypothesis/model </a:t>
-            </a:r>
-            <a:r>
-              <a:rPr lang="en-US" dirty="0"/>
-              <a:t>is learned and the examples are reweighted to focus the </a:t>
-            </a:r>
-            <a:r>
-              <a:rPr lang="en-US" dirty="0" smtClean="0"/>
-              <a:t>model </a:t>
-            </a:r>
-            <a:r>
-              <a:rPr lang="en-US" dirty="0" smtClean="0"/>
-              <a:t>on </a:t>
-            </a:r>
-            <a:r>
-              <a:rPr lang="en-US" dirty="0"/>
-              <a:t>examples that the most recently learned </a:t>
-            </a:r>
-            <a:r>
-              <a:rPr lang="en-US" dirty="0" smtClean="0"/>
-              <a:t>model got </a:t>
-            </a:r>
-            <a:r>
-              <a:rPr lang="en-US" dirty="0"/>
-              <a:t>wrong.</a:t>
+              <a:t>At each iteration, a new hypothesis/model is learned and the examples are reweighted to focus the model on examples that the most recently learned model got wrong.</a:t>
             </a:r>
           </a:p>
           <a:p>
@@ -8965,10 +8630,9 @@
           <a:lstStyle/>
           <a:p>
             <a:r>
-              <a:rPr lang="en-US" dirty="0" smtClean="0"/>
+              <a:rPr lang="en-US" dirty="0"/>
               <a:t>Boosting</a:t>
             </a:r>
-            <a:endParaRPr lang="en-US" dirty="0"/>
           </a:p>
         </p:txBody>
       </p:sp>
@@ -8982,13 +8646,6 @@
   <p:clrMapOvr>
     <a:masterClrMapping/>
   </p:clrMapOvr>
-  <p:timing>
-    <p:tnLst>
-      <p:par>
-        <p:cTn id="1" dur="indefinite" restart="never" nodeType="tmRoot"/>
-      </p:par>
-    </p:tnLst>
-  </p:timing>
 </p:sld>
 </file>
 
